--- a/memo.pptx
+++ b/memo.pptx
@@ -18,6 +18,11 @@
     <p:sldId id="267" r:id="rId12"/>
     <p:sldId id="268" r:id="rId13"/>
     <p:sldId id="269" r:id="rId14"/>
+    <p:sldId id="271" r:id="rId15"/>
+    <p:sldId id="274" r:id="rId16"/>
+    <p:sldId id="270" r:id="rId17"/>
+    <p:sldId id="272" r:id="rId18"/>
+    <p:sldId id="273" r:id="rId19"/>
   </p:sldIdLst>
   <p:sldSz cx="12192000" cy="6858000"/>
   <p:notesSz cx="6858000" cy="9144000"/>
@@ -284,7 +289,7 @@
           <a:p>
             <a:fld id="{AF578217-1813-4358-BC13-081C7D19FF39}" type="datetimeFigureOut">
               <a:rPr lang="en-US" smtClean="0"/>
-              <a:t>7/13/2024</a:t>
+              <a:t>7/15/2024</a:t>
             </a:fld>
             <a:endParaRPr lang="en-US"/>
           </a:p>
@@ -516,7 +521,7 @@
           <a:p>
             <a:fld id="{AF578217-1813-4358-BC13-081C7D19FF39}" type="datetimeFigureOut">
               <a:rPr lang="en-US" smtClean="0"/>
-              <a:t>7/13/2024</a:t>
+              <a:t>7/15/2024</a:t>
             </a:fld>
             <a:endParaRPr lang="en-US"/>
           </a:p>
@@ -758,7 +763,7 @@
           <a:p>
             <a:fld id="{AF578217-1813-4358-BC13-081C7D19FF39}" type="datetimeFigureOut">
               <a:rPr lang="en-US" smtClean="0"/>
-              <a:t>7/13/2024</a:t>
+              <a:t>7/15/2024</a:t>
             </a:fld>
             <a:endParaRPr lang="en-US"/>
           </a:p>
@@ -990,7 +995,7 @@
           <a:p>
             <a:fld id="{AF578217-1813-4358-BC13-081C7D19FF39}" type="datetimeFigureOut">
               <a:rPr lang="en-US" smtClean="0"/>
-              <a:t>7/13/2024</a:t>
+              <a:t>7/15/2024</a:t>
             </a:fld>
             <a:endParaRPr lang="en-US"/>
           </a:p>
@@ -1266,7 +1271,7 @@
           <a:p>
             <a:fld id="{AF578217-1813-4358-BC13-081C7D19FF39}" type="datetimeFigureOut">
               <a:rPr lang="en-US" smtClean="0"/>
-              <a:t>7/13/2024</a:t>
+              <a:t>7/15/2024</a:t>
             </a:fld>
             <a:endParaRPr lang="en-US"/>
           </a:p>
@@ -1598,7 +1603,7 @@
           <a:p>
             <a:fld id="{AF578217-1813-4358-BC13-081C7D19FF39}" type="datetimeFigureOut">
               <a:rPr lang="en-US" smtClean="0"/>
-              <a:t>7/13/2024</a:t>
+              <a:t>7/15/2024</a:t>
             </a:fld>
             <a:endParaRPr lang="en-US"/>
           </a:p>
@@ -2077,7 +2082,7 @@
           <a:p>
             <a:fld id="{AF578217-1813-4358-BC13-081C7D19FF39}" type="datetimeFigureOut">
               <a:rPr lang="en-US" smtClean="0"/>
-              <a:t>7/13/2024</a:t>
+              <a:t>7/15/2024</a:t>
             </a:fld>
             <a:endParaRPr lang="en-US"/>
           </a:p>
@@ -2219,7 +2224,7 @@
           <a:p>
             <a:fld id="{AF578217-1813-4358-BC13-081C7D19FF39}" type="datetimeFigureOut">
               <a:rPr lang="en-US" smtClean="0"/>
-              <a:t>7/13/2024</a:t>
+              <a:t>7/15/2024</a:t>
             </a:fld>
             <a:endParaRPr lang="en-US"/>
           </a:p>
@@ -2332,7 +2337,7 @@
           <a:p>
             <a:fld id="{AF578217-1813-4358-BC13-081C7D19FF39}" type="datetimeFigureOut">
               <a:rPr lang="en-US" smtClean="0"/>
-              <a:t>7/13/2024</a:t>
+              <a:t>7/15/2024</a:t>
             </a:fld>
             <a:endParaRPr lang="en-US"/>
           </a:p>
@@ -2677,7 +2682,7 @@
           <a:p>
             <a:fld id="{AF578217-1813-4358-BC13-081C7D19FF39}" type="datetimeFigureOut">
               <a:rPr lang="en-US" smtClean="0"/>
-              <a:t>7/13/2024</a:t>
+              <a:t>7/15/2024</a:t>
             </a:fld>
             <a:endParaRPr lang="en-US"/>
           </a:p>
@@ -2966,7 +2971,7 @@
           <a:p>
             <a:fld id="{AF578217-1813-4358-BC13-081C7D19FF39}" type="datetimeFigureOut">
               <a:rPr lang="en-US" smtClean="0"/>
-              <a:t>7/13/2024</a:t>
+              <a:t>7/15/2024</a:t>
             </a:fld>
             <a:endParaRPr lang="en-US"/>
           </a:p>
@@ -3241,7 +3246,7 @@
           <a:p>
             <a:fld id="{AF578217-1813-4358-BC13-081C7D19FF39}" type="datetimeFigureOut">
               <a:rPr lang="en-US" smtClean="0"/>
-              <a:t>7/13/2024</a:t>
+              <a:t>7/15/2024</a:t>
             </a:fld>
             <a:endParaRPr lang="en-US"/>
           </a:p>
@@ -5504,6 +5509,1582 @@
 </p:sld>
 </file>
 
+<file path=ppt/slides/slide14.xml><?xml version="1.0" encoding="utf-8"?>
+<p:sld xmlns:a="http://schemas.openxmlformats.org/drawingml/2006/main" xmlns:r="http://schemas.openxmlformats.org/officeDocument/2006/relationships" xmlns:p="http://schemas.openxmlformats.org/presentationml/2006/main">
+  <p:cSld>
+    <p:spTree>
+      <p:nvGrpSpPr>
+        <p:cNvPr id="1" name=""/>
+        <p:cNvGrpSpPr/>
+        <p:nvPr/>
+      </p:nvGrpSpPr>
+      <p:grpSpPr>
+        <a:xfrm>
+          <a:off x="0" y="0"/>
+          <a:ext cx="0" cy="0"/>
+          <a:chOff x="0" y="0"/>
+          <a:chExt cx="0" cy="0"/>
+        </a:xfrm>
+      </p:grpSpPr>
+      <p:sp>
+        <p:nvSpPr>
+          <p:cNvPr id="2" name="文本框 1">
+            <a:extLst>
+              <a:ext uri="{FF2B5EF4-FFF2-40B4-BE49-F238E27FC236}">
+                <a16:creationId xmlns:a16="http://schemas.microsoft.com/office/drawing/2014/main" id="{952B7591-1756-41A3-C6CE-49A1591F46B1}"/>
+              </a:ext>
+            </a:extLst>
+          </p:cNvPr>
+          <p:cNvSpPr txBox="1"/>
+          <p:nvPr/>
+        </p:nvSpPr>
+        <p:spPr>
+          <a:xfrm>
+            <a:off x="190005" y="503919"/>
+            <a:ext cx="3431970" cy="369332"/>
+          </a:xfrm>
+          <a:prstGeom prst="rect">
+            <a:avLst/>
+          </a:prstGeom>
+          <a:noFill/>
+        </p:spPr>
+        <p:txBody>
+          <a:bodyPr wrap="square" rtlCol="0">
+            <a:spAutoFit/>
+          </a:bodyPr>
+          <a:lstStyle/>
+          <a:p>
+            <a:r>
+              <a:rPr lang="zh-CN" altLang="en-US" dirty="0"/>
+              <a:t>顺天堂的曲线和</a:t>
+            </a:r>
+            <a:r>
+              <a:rPr lang="en-US" altLang="zh-CN" dirty="0"/>
+              <a:t>Brava</a:t>
+            </a:r>
+            <a:r>
+              <a:rPr lang="zh-CN" altLang="en-US" dirty="0"/>
+              <a:t>是颠倒的</a:t>
+            </a:r>
+            <a:endParaRPr lang="en-US" altLang="zh-CN" dirty="0"/>
+          </a:p>
+        </p:txBody>
+      </p:sp>
+      <p:pic>
+        <p:nvPicPr>
+          <p:cNvPr id="4" name="图片 3">
+            <a:extLst>
+              <a:ext uri="{FF2B5EF4-FFF2-40B4-BE49-F238E27FC236}">
+                <a16:creationId xmlns:a16="http://schemas.microsoft.com/office/drawing/2014/main" id="{93114E66-CFB3-59D0-20FE-84E3E61245EA}"/>
+              </a:ext>
+            </a:extLst>
+          </p:cNvPr>
+          <p:cNvPicPr>
+            <a:picLocks noChangeAspect="1"/>
+          </p:cNvPicPr>
+          <p:nvPr/>
+        </p:nvPicPr>
+        <p:blipFill>
+          <a:blip r:embed="rId2"/>
+          <a:stretch>
+            <a:fillRect/>
+          </a:stretch>
+        </p:blipFill>
+        <p:spPr>
+          <a:xfrm>
+            <a:off x="190004" y="981981"/>
+            <a:ext cx="2257425" cy="5372100"/>
+          </a:xfrm>
+          <a:prstGeom prst="rect">
+            <a:avLst/>
+          </a:prstGeom>
+        </p:spPr>
+      </p:pic>
+      <p:sp>
+        <p:nvSpPr>
+          <p:cNvPr id="5" name="文本框 4">
+            <a:extLst>
+              <a:ext uri="{FF2B5EF4-FFF2-40B4-BE49-F238E27FC236}">
+                <a16:creationId xmlns:a16="http://schemas.microsoft.com/office/drawing/2014/main" id="{61EE8DF2-46F9-0601-D902-8E73FE3488BF}"/>
+              </a:ext>
+            </a:extLst>
+          </p:cNvPr>
+          <p:cNvSpPr txBox="1"/>
+          <p:nvPr/>
+        </p:nvSpPr>
+        <p:spPr>
+          <a:xfrm>
+            <a:off x="1455280" y="1107582"/>
+            <a:ext cx="2908900" cy="646331"/>
+          </a:xfrm>
+          <a:prstGeom prst="rect">
+            <a:avLst/>
+          </a:prstGeom>
+          <a:noFill/>
+        </p:spPr>
+        <p:txBody>
+          <a:bodyPr wrap="square" rtlCol="0">
+            <a:spAutoFit/>
+          </a:bodyPr>
+          <a:lstStyle/>
+          <a:p>
+            <a:r>
+              <a:rPr lang="zh-CN" altLang="en-US" dirty="0">
+                <a:highlight>
+                  <a:srgbClr val="C0C0C0"/>
+                </a:highlight>
+              </a:rPr>
+              <a:t>黄色：顺天堂的简单平均</a:t>
+            </a:r>
+            <a:endParaRPr lang="en-US" altLang="zh-CN" dirty="0">
+              <a:highlight>
+                <a:srgbClr val="C0C0C0"/>
+              </a:highlight>
+            </a:endParaRPr>
+          </a:p>
+          <a:p>
+            <a:r>
+              <a:rPr lang="zh-CN" altLang="en-US" dirty="0">
+                <a:highlight>
+                  <a:srgbClr val="C0C0C0"/>
+                </a:highlight>
+              </a:rPr>
+              <a:t>红色：</a:t>
+            </a:r>
+            <a:r>
+              <a:rPr lang="en-US" altLang="zh-CN" dirty="0">
+                <a:highlight>
+                  <a:srgbClr val="C0C0C0"/>
+                </a:highlight>
+              </a:rPr>
+              <a:t>Brava</a:t>
+            </a:r>
+            <a:r>
+              <a:rPr lang="zh-CN" altLang="en-US" dirty="0">
+                <a:highlight>
+                  <a:srgbClr val="C0C0C0"/>
+                </a:highlight>
+              </a:rPr>
+              <a:t> </a:t>
+            </a:r>
+            <a:r>
+              <a:rPr lang="en-US" altLang="zh-CN" dirty="0" err="1">
+                <a:highlight>
+                  <a:srgbClr val="C0C0C0"/>
+                </a:highlight>
+              </a:rPr>
+              <a:t>frechet</a:t>
+            </a:r>
+            <a:endParaRPr lang="en-US" altLang="zh-CN" dirty="0">
+              <a:highlight>
+                <a:srgbClr val="C0C0C0"/>
+              </a:highlight>
+            </a:endParaRPr>
+          </a:p>
+        </p:txBody>
+      </p:sp>
+      <p:sp>
+        <p:nvSpPr>
+          <p:cNvPr id="6" name="文本框 5">
+            <a:extLst>
+              <a:ext uri="{FF2B5EF4-FFF2-40B4-BE49-F238E27FC236}">
+                <a16:creationId xmlns:a16="http://schemas.microsoft.com/office/drawing/2014/main" id="{4ED3F701-43F1-AFBB-5367-EBE6F29ECEBB}"/>
+              </a:ext>
+            </a:extLst>
+          </p:cNvPr>
+          <p:cNvSpPr txBox="1"/>
+          <p:nvPr/>
+        </p:nvSpPr>
+        <p:spPr>
+          <a:xfrm>
+            <a:off x="5213268" y="873251"/>
+            <a:ext cx="3230088" cy="646331"/>
+          </a:xfrm>
+          <a:prstGeom prst="rect">
+            <a:avLst/>
+          </a:prstGeom>
+          <a:noFill/>
+        </p:spPr>
+        <p:txBody>
+          <a:bodyPr wrap="square" rtlCol="0">
+            <a:spAutoFit/>
+          </a:bodyPr>
+          <a:lstStyle/>
+          <a:p>
+            <a:r>
+              <a:rPr lang="zh-CN" altLang="en-US" dirty="0"/>
+              <a:t>先左右翻转，再上下翻转</a:t>
+            </a:r>
+            <a:endParaRPr lang="en-US" altLang="zh-CN" dirty="0"/>
+          </a:p>
+          <a:p>
+            <a:r>
+              <a:rPr lang="zh-CN" altLang="en-US" dirty="0"/>
+              <a:t>尽量和</a:t>
+            </a:r>
+            <a:r>
+              <a:rPr lang="en-US" altLang="zh-CN" dirty="0"/>
+              <a:t>Brava</a:t>
+            </a:r>
+            <a:r>
+              <a:rPr lang="zh-CN" altLang="en-US" dirty="0"/>
+              <a:t>的朝向相符</a:t>
+            </a:r>
+          </a:p>
+        </p:txBody>
+      </p:sp>
+      <p:pic>
+        <p:nvPicPr>
+          <p:cNvPr id="8" name="图片 7">
+            <a:extLst>
+              <a:ext uri="{FF2B5EF4-FFF2-40B4-BE49-F238E27FC236}">
+                <a16:creationId xmlns:a16="http://schemas.microsoft.com/office/drawing/2014/main" id="{288802CE-7CBC-1E2B-8BC0-1EBBE761D55B}"/>
+              </a:ext>
+            </a:extLst>
+          </p:cNvPr>
+          <p:cNvPicPr>
+            <a:picLocks noChangeAspect="1"/>
+          </p:cNvPicPr>
+          <p:nvPr/>
+        </p:nvPicPr>
+        <p:blipFill>
+          <a:blip r:embed="rId3"/>
+          <a:stretch>
+            <a:fillRect/>
+          </a:stretch>
+        </p:blipFill>
+        <p:spPr>
+          <a:xfrm>
+            <a:off x="8183954" y="503919"/>
+            <a:ext cx="3448050" cy="6210300"/>
+          </a:xfrm>
+          <a:prstGeom prst="rect">
+            <a:avLst/>
+          </a:prstGeom>
+        </p:spPr>
+      </p:pic>
+    </p:spTree>
+    <p:extLst>
+      <p:ext uri="{BB962C8B-B14F-4D97-AF65-F5344CB8AC3E}">
+        <p14:creationId xmlns:p14="http://schemas.microsoft.com/office/powerpoint/2010/main" val="1132452678"/>
+      </p:ext>
+    </p:extLst>
+  </p:cSld>
+  <p:clrMapOvr>
+    <a:masterClrMapping/>
+  </p:clrMapOvr>
+</p:sld>
+</file>
+
+<file path=ppt/slides/slide15.xml><?xml version="1.0" encoding="utf-8"?>
+<p:sld xmlns:a="http://schemas.openxmlformats.org/drawingml/2006/main" xmlns:r="http://schemas.openxmlformats.org/officeDocument/2006/relationships" xmlns:p="http://schemas.openxmlformats.org/presentationml/2006/main">
+  <p:cSld>
+    <p:spTree>
+      <p:nvGrpSpPr>
+        <p:cNvPr id="1" name=""/>
+        <p:cNvGrpSpPr/>
+        <p:nvPr/>
+      </p:nvGrpSpPr>
+      <p:grpSpPr>
+        <a:xfrm>
+          <a:off x="0" y="0"/>
+          <a:ext cx="0" cy="0"/>
+          <a:chOff x="0" y="0"/>
+          <a:chExt cx="0" cy="0"/>
+        </a:xfrm>
+      </p:grpSpPr>
+      <p:sp>
+        <p:nvSpPr>
+          <p:cNvPr id="2" name="文本框 1">
+            <a:extLst>
+              <a:ext uri="{FF2B5EF4-FFF2-40B4-BE49-F238E27FC236}">
+                <a16:creationId xmlns:a16="http://schemas.microsoft.com/office/drawing/2014/main" id="{AFB8B340-2DC9-F04B-CB48-00B228C4AAE3}"/>
+              </a:ext>
+            </a:extLst>
+          </p:cNvPr>
+          <p:cNvSpPr txBox="1"/>
+          <p:nvPr/>
+        </p:nvSpPr>
+        <p:spPr>
+          <a:xfrm>
+            <a:off x="655183" y="314697"/>
+            <a:ext cx="6097978" cy="369332"/>
+          </a:xfrm>
+          <a:prstGeom prst="rect">
+            <a:avLst/>
+          </a:prstGeom>
+          <a:noFill/>
+        </p:spPr>
+        <p:txBody>
+          <a:bodyPr wrap="square">
+            <a:spAutoFit/>
+          </a:bodyPr>
+          <a:lstStyle/>
+          <a:p>
+            <a:r>
+              <a:rPr lang="en-JP" altLang="zh-CN" b="1" dirty="0"/>
+              <a:t>目前进度</a:t>
+            </a:r>
+            <a:r>
+              <a:rPr lang="zh-CN" altLang="en-US" b="1" dirty="0"/>
+              <a:t> </a:t>
+            </a:r>
+            <a:r>
+              <a:rPr lang="en-US" altLang="zh-CN" b="1" dirty="0"/>
+              <a:t>20240717</a:t>
+            </a:r>
+          </a:p>
+        </p:txBody>
+      </p:sp>
+      <p:graphicFrame>
+        <p:nvGraphicFramePr>
+          <p:cNvPr id="4" name="表格 3">
+            <a:extLst>
+              <a:ext uri="{FF2B5EF4-FFF2-40B4-BE49-F238E27FC236}">
+                <a16:creationId xmlns:a16="http://schemas.microsoft.com/office/drawing/2014/main" id="{767F6DBD-6CB5-02FF-79C5-18629D496E89}"/>
+              </a:ext>
+            </a:extLst>
+          </p:cNvPr>
+          <p:cNvGraphicFramePr>
+            <a:graphicFrameLocks noGrp="1"/>
+          </p:cNvGraphicFramePr>
+          <p:nvPr>
+            <p:extLst>
+              <p:ext uri="{D42A27DB-BD31-4B8C-83A1-F6EECF244321}">
+                <p14:modId xmlns:p14="http://schemas.microsoft.com/office/powerpoint/2010/main" val="2887850775"/>
+              </p:ext>
+            </p:extLst>
+          </p:nvPr>
+        </p:nvGraphicFramePr>
+        <p:xfrm>
+          <a:off x="288142" y="2407161"/>
+          <a:ext cx="3180547" cy="2595880"/>
+        </p:xfrm>
+        <a:graphic>
+          <a:graphicData uri="http://schemas.openxmlformats.org/drawingml/2006/table">
+            <a:tbl>
+              <a:tblPr firstRow="1" bandRow="1">
+                <a:tableStyleId>{5C22544A-7EE6-4342-B048-85BDC9FD1C3A}</a:tableStyleId>
+              </a:tblPr>
+              <a:tblGrid>
+                <a:gridCol w="1576753">
+                  <a:extLst>
+                    <a:ext uri="{9D8B030D-6E8A-4147-A177-3AD203B41FA5}">
+                      <a16:colId xmlns:a16="http://schemas.microsoft.com/office/drawing/2014/main" val="2853477910"/>
+                    </a:ext>
+                  </a:extLst>
+                </a:gridCol>
+                <a:gridCol w="713144">
+                  <a:extLst>
+                    <a:ext uri="{9D8B030D-6E8A-4147-A177-3AD203B41FA5}">
+                      <a16:colId xmlns:a16="http://schemas.microsoft.com/office/drawing/2014/main" val="343106676"/>
+                    </a:ext>
+                  </a:extLst>
+                </a:gridCol>
+                <a:gridCol w="890650">
+                  <a:extLst>
+                    <a:ext uri="{9D8B030D-6E8A-4147-A177-3AD203B41FA5}">
+                      <a16:colId xmlns:a16="http://schemas.microsoft.com/office/drawing/2014/main" val="62158162"/>
+                    </a:ext>
+                  </a:extLst>
+                </a:gridCol>
+              </a:tblGrid>
+              <a:tr h="370840">
+                <a:tc>
+                  <a:txBody>
+                    <a:bodyPr/>
+                    <a:lstStyle/>
+                    <a:p>
+                      <a:r>
+                        <a:rPr lang="zh-CN" altLang="en-US" dirty="0"/>
+                        <a:t>顺天堂</a:t>
+                      </a:r>
+                      <a:r>
+                        <a:rPr lang="en-US" altLang="zh-CN" dirty="0"/>
+                        <a:t>data ID</a:t>
+                      </a:r>
+                      <a:endParaRPr lang="zh-CN" altLang="en-US" dirty="0"/>
+                    </a:p>
+                  </a:txBody>
+                  <a:tcPr/>
+                </a:tc>
+                <a:tc>
+                  <a:txBody>
+                    <a:bodyPr/>
+                    <a:lstStyle/>
+                    <a:p>
+                      <a:r>
+                        <a:rPr lang="zh-CN" altLang="en-US" dirty="0"/>
+                        <a:t>掐头</a:t>
+                      </a:r>
+                    </a:p>
+                  </a:txBody>
+                  <a:tcPr/>
+                </a:tc>
+                <a:tc>
+                  <a:txBody>
+                    <a:bodyPr/>
+                    <a:lstStyle/>
+                    <a:p>
+                      <a:r>
+                        <a:rPr lang="zh-CN" altLang="en-US" dirty="0"/>
+                        <a:t>去尾</a:t>
+                      </a:r>
+                    </a:p>
+                  </a:txBody>
+                  <a:tcPr/>
+                </a:tc>
+                <a:extLst>
+                  <a:ext uri="{0D108BD9-81ED-4DB2-BD59-A6C34878D82A}">
+                    <a16:rowId xmlns:a16="http://schemas.microsoft.com/office/drawing/2014/main" val="1391697638"/>
+                  </a:ext>
+                </a:extLst>
+              </a:tr>
+              <a:tr h="370840">
+                <a:tc>
+                  <a:txBody>
+                    <a:bodyPr/>
+                    <a:lstStyle/>
+                    <a:p>
+                      <a:pPr marL="0" marR="0" lvl="0" indent="0" algn="l" defTabSz="914400" rtl="0" eaLnBrk="1" fontAlgn="auto" latinLnBrk="0" hangingPunct="1">
+                        <a:lnSpc>
+                          <a:spcPct val="100000"/>
+                        </a:lnSpc>
+                        <a:spcBef>
+                          <a:spcPts val="0"/>
+                        </a:spcBef>
+                        <a:spcAft>
+                          <a:spcPts val="0"/>
+                        </a:spcAft>
+                        <a:buClrTx/>
+                        <a:buSzTx/>
+                        <a:buFontTx/>
+                        <a:buNone/>
+                        <a:tabLst/>
+                        <a:defRPr/>
+                      </a:pPr>
+                      <a:r>
+                        <a:rPr lang="en-US" altLang="zh-CN" sz="1800" b="0" kern="1200" dirty="0">
+                          <a:solidFill>
+                            <a:schemeClr val="dk1"/>
+                          </a:solidFill>
+                          <a:effectLst/>
+                          <a:highlight>
+                            <a:srgbClr val="FFFF00"/>
+                          </a:highlight>
+                          <a:latin typeface="+mn-lt"/>
+                          <a:ea typeface="+mn-ea"/>
+                          <a:cs typeface="+mn-cs"/>
+                        </a:rPr>
+                        <a:t>sub01-left</a:t>
+                      </a:r>
+                    </a:p>
+                  </a:txBody>
+                  <a:tcPr/>
+                </a:tc>
+                <a:tc>
+                  <a:txBody>
+                    <a:bodyPr/>
+                    <a:lstStyle/>
+                    <a:p>
+                      <a:r>
+                        <a:rPr lang="en-US" altLang="zh-CN" dirty="0"/>
+                        <a:t>29</a:t>
+                      </a:r>
+                      <a:endParaRPr lang="zh-CN" altLang="en-US" dirty="0"/>
+                    </a:p>
+                  </a:txBody>
+                  <a:tcPr/>
+                </a:tc>
+                <a:tc>
+                  <a:txBody>
+                    <a:bodyPr/>
+                    <a:lstStyle/>
+                    <a:p>
+                      <a:r>
+                        <a:rPr lang="en-US" altLang="zh-CN" dirty="0"/>
+                        <a:t>307</a:t>
+                      </a:r>
+                      <a:endParaRPr lang="zh-CN" altLang="en-US" dirty="0"/>
+                    </a:p>
+                  </a:txBody>
+                  <a:tcPr/>
+                </a:tc>
+                <a:extLst>
+                  <a:ext uri="{0D108BD9-81ED-4DB2-BD59-A6C34878D82A}">
+                    <a16:rowId xmlns:a16="http://schemas.microsoft.com/office/drawing/2014/main" val="1612541272"/>
+                  </a:ext>
+                </a:extLst>
+              </a:tr>
+              <a:tr h="370840">
+                <a:tc>
+                  <a:txBody>
+                    <a:bodyPr/>
+                    <a:lstStyle/>
+                    <a:p>
+                      <a:r>
+                        <a:rPr lang="en-US" altLang="zh-CN" dirty="0">
+                          <a:highlight>
+                            <a:srgbClr val="FFFF00"/>
+                          </a:highlight>
+                        </a:rPr>
+                        <a:t>sub01-right</a:t>
+                      </a:r>
+                      <a:endParaRPr lang="zh-CN" altLang="en-US" dirty="0">
+                        <a:highlight>
+                          <a:srgbClr val="FFFF00"/>
+                        </a:highlight>
+                      </a:endParaRPr>
+                    </a:p>
+                  </a:txBody>
+                  <a:tcPr/>
+                </a:tc>
+                <a:tc>
+                  <a:txBody>
+                    <a:bodyPr/>
+                    <a:lstStyle/>
+                    <a:p>
+                      <a:r>
+                        <a:rPr lang="en-US" altLang="zh-CN" dirty="0"/>
+                        <a:t>49</a:t>
+                      </a:r>
+                      <a:endParaRPr lang="zh-CN" altLang="en-US" dirty="0"/>
+                    </a:p>
+                  </a:txBody>
+                  <a:tcPr/>
+                </a:tc>
+                <a:tc>
+                  <a:txBody>
+                    <a:bodyPr/>
+                    <a:lstStyle/>
+                    <a:p>
+                      <a:r>
+                        <a:rPr lang="en-US" altLang="zh-CN" dirty="0"/>
+                        <a:t>325</a:t>
+                      </a:r>
+                      <a:endParaRPr lang="zh-CN" altLang="en-US" dirty="0"/>
+                    </a:p>
+                  </a:txBody>
+                  <a:tcPr/>
+                </a:tc>
+                <a:extLst>
+                  <a:ext uri="{0D108BD9-81ED-4DB2-BD59-A6C34878D82A}">
+                    <a16:rowId xmlns:a16="http://schemas.microsoft.com/office/drawing/2014/main" val="1063211455"/>
+                  </a:ext>
+                </a:extLst>
+              </a:tr>
+              <a:tr h="370840">
+                <a:tc>
+                  <a:txBody>
+                    <a:bodyPr/>
+                    <a:lstStyle/>
+                    <a:p>
+                      <a:r>
+                        <a:rPr lang="en-US" altLang="zh-CN" dirty="0">
+                          <a:highlight>
+                            <a:srgbClr val="FFFF00"/>
+                          </a:highlight>
+                        </a:rPr>
+                        <a:t>sub02-left</a:t>
+                      </a:r>
+                      <a:endParaRPr lang="zh-CN" altLang="en-US" dirty="0">
+                        <a:highlight>
+                          <a:srgbClr val="FFFF00"/>
+                        </a:highlight>
+                      </a:endParaRPr>
+                    </a:p>
+                  </a:txBody>
+                  <a:tcPr/>
+                </a:tc>
+                <a:tc>
+                  <a:txBody>
+                    <a:bodyPr/>
+                    <a:lstStyle/>
+                    <a:p>
+                      <a:r>
+                        <a:rPr lang="en-US" altLang="zh-CN" dirty="0"/>
+                        <a:t>64</a:t>
+                      </a:r>
+                      <a:endParaRPr lang="zh-CN" altLang="en-US" dirty="0"/>
+                    </a:p>
+                  </a:txBody>
+                  <a:tcPr/>
+                </a:tc>
+                <a:tc>
+                  <a:txBody>
+                    <a:bodyPr/>
+                    <a:lstStyle/>
+                    <a:p>
+                      <a:r>
+                        <a:rPr lang="en-US" altLang="zh-CN" dirty="0"/>
+                        <a:t>364</a:t>
+                      </a:r>
+                      <a:endParaRPr lang="zh-CN" altLang="en-US" dirty="0"/>
+                    </a:p>
+                  </a:txBody>
+                  <a:tcPr/>
+                </a:tc>
+                <a:extLst>
+                  <a:ext uri="{0D108BD9-81ED-4DB2-BD59-A6C34878D82A}">
+                    <a16:rowId xmlns:a16="http://schemas.microsoft.com/office/drawing/2014/main" val="2995473991"/>
+                  </a:ext>
+                </a:extLst>
+              </a:tr>
+              <a:tr h="370840">
+                <a:tc>
+                  <a:txBody>
+                    <a:bodyPr/>
+                    <a:lstStyle/>
+                    <a:p>
+                      <a:r>
+                        <a:rPr lang="en-US" altLang="zh-CN" dirty="0">
+                          <a:highlight>
+                            <a:srgbClr val="FFFF00"/>
+                          </a:highlight>
+                        </a:rPr>
+                        <a:t>sub02-right</a:t>
+                      </a:r>
+                      <a:endParaRPr lang="zh-CN" altLang="en-US" dirty="0">
+                        <a:highlight>
+                          <a:srgbClr val="FFFF00"/>
+                        </a:highlight>
+                      </a:endParaRPr>
+                    </a:p>
+                  </a:txBody>
+                  <a:tcPr/>
+                </a:tc>
+                <a:tc>
+                  <a:txBody>
+                    <a:bodyPr/>
+                    <a:lstStyle/>
+                    <a:p>
+                      <a:r>
+                        <a:rPr lang="en-US" altLang="zh-CN" dirty="0"/>
+                        <a:t>36</a:t>
+                      </a:r>
+                      <a:endParaRPr lang="zh-CN" altLang="en-US" dirty="0"/>
+                    </a:p>
+                  </a:txBody>
+                  <a:tcPr/>
+                </a:tc>
+                <a:tc>
+                  <a:txBody>
+                    <a:bodyPr/>
+                    <a:lstStyle/>
+                    <a:p>
+                      <a:r>
+                        <a:rPr lang="en-US" altLang="zh-CN" dirty="0"/>
+                        <a:t>370</a:t>
+                      </a:r>
+                      <a:endParaRPr lang="zh-CN" altLang="en-US" dirty="0"/>
+                    </a:p>
+                  </a:txBody>
+                  <a:tcPr/>
+                </a:tc>
+                <a:extLst>
+                  <a:ext uri="{0D108BD9-81ED-4DB2-BD59-A6C34878D82A}">
+                    <a16:rowId xmlns:a16="http://schemas.microsoft.com/office/drawing/2014/main" val="3010994462"/>
+                  </a:ext>
+                </a:extLst>
+              </a:tr>
+              <a:tr h="370840">
+                <a:tc>
+                  <a:txBody>
+                    <a:bodyPr/>
+                    <a:lstStyle/>
+                    <a:p>
+                      <a:r>
+                        <a:rPr lang="en-US" altLang="zh-CN" dirty="0"/>
+                        <a:t>sub03-left</a:t>
+                      </a:r>
+                      <a:endParaRPr lang="zh-CN" altLang="en-US" dirty="0"/>
+                    </a:p>
+                  </a:txBody>
+                  <a:tcPr/>
+                </a:tc>
+                <a:tc>
+                  <a:txBody>
+                    <a:bodyPr/>
+                    <a:lstStyle/>
+                    <a:p>
+                      <a:r>
+                        <a:rPr lang="en-US" altLang="zh-CN" dirty="0"/>
+                        <a:t>30</a:t>
+                      </a:r>
+                      <a:endParaRPr lang="zh-CN" altLang="en-US" dirty="0"/>
+                    </a:p>
+                  </a:txBody>
+                  <a:tcPr/>
+                </a:tc>
+                <a:tc>
+                  <a:txBody>
+                    <a:bodyPr/>
+                    <a:lstStyle/>
+                    <a:p>
+                      <a:r>
+                        <a:rPr lang="en-US" altLang="zh-CN" dirty="0"/>
+                        <a:t>340</a:t>
+                      </a:r>
+                      <a:endParaRPr lang="zh-CN" altLang="en-US" dirty="0"/>
+                    </a:p>
+                  </a:txBody>
+                  <a:tcPr/>
+                </a:tc>
+                <a:extLst>
+                  <a:ext uri="{0D108BD9-81ED-4DB2-BD59-A6C34878D82A}">
+                    <a16:rowId xmlns:a16="http://schemas.microsoft.com/office/drawing/2014/main" val="817934002"/>
+                  </a:ext>
+                </a:extLst>
+              </a:tr>
+              <a:tr h="370840">
+                <a:tc>
+                  <a:txBody>
+                    <a:bodyPr/>
+                    <a:lstStyle/>
+                    <a:p>
+                      <a:r>
+                        <a:rPr lang="en-US" altLang="zh-CN" dirty="0">
+                          <a:highlight>
+                            <a:srgbClr val="FFFF00"/>
+                          </a:highlight>
+                        </a:rPr>
+                        <a:t>sub03-right</a:t>
+                      </a:r>
+                      <a:endParaRPr lang="zh-CN" altLang="en-US" dirty="0">
+                        <a:highlight>
+                          <a:srgbClr val="FFFF00"/>
+                        </a:highlight>
+                      </a:endParaRPr>
+                    </a:p>
+                  </a:txBody>
+                  <a:tcPr/>
+                </a:tc>
+                <a:tc>
+                  <a:txBody>
+                    <a:bodyPr/>
+                    <a:lstStyle/>
+                    <a:p>
+                      <a:r>
+                        <a:rPr lang="en-US" altLang="zh-CN" dirty="0"/>
+                        <a:t>25</a:t>
+                      </a:r>
+                      <a:endParaRPr lang="zh-CN" altLang="en-US" dirty="0"/>
+                    </a:p>
+                  </a:txBody>
+                  <a:tcPr/>
+                </a:tc>
+                <a:tc>
+                  <a:txBody>
+                    <a:bodyPr/>
+                    <a:lstStyle/>
+                    <a:p>
+                      <a:r>
+                        <a:rPr lang="en-US" altLang="zh-CN" dirty="0"/>
+                        <a:t>340</a:t>
+                      </a:r>
+                      <a:endParaRPr lang="zh-CN" altLang="en-US" dirty="0"/>
+                    </a:p>
+                  </a:txBody>
+                  <a:tcPr/>
+                </a:tc>
+                <a:extLst>
+                  <a:ext uri="{0D108BD9-81ED-4DB2-BD59-A6C34878D82A}">
+                    <a16:rowId xmlns:a16="http://schemas.microsoft.com/office/drawing/2014/main" val="2060623838"/>
+                  </a:ext>
+                </a:extLst>
+              </a:tr>
+            </a:tbl>
+          </a:graphicData>
+        </a:graphic>
+      </p:graphicFrame>
+      <p:sp>
+        <p:nvSpPr>
+          <p:cNvPr id="5" name="文本框 4">
+            <a:extLst>
+              <a:ext uri="{FF2B5EF4-FFF2-40B4-BE49-F238E27FC236}">
+                <a16:creationId xmlns:a16="http://schemas.microsoft.com/office/drawing/2014/main" id="{2449DF68-9D96-6F10-5D4A-FE0870C32CE2}"/>
+              </a:ext>
+            </a:extLst>
+          </p:cNvPr>
+          <p:cNvSpPr txBox="1"/>
+          <p:nvPr/>
+        </p:nvSpPr>
+        <p:spPr>
+          <a:xfrm>
+            <a:off x="4018547" y="499363"/>
+            <a:ext cx="7267074" cy="1477328"/>
+          </a:xfrm>
+          <a:prstGeom prst="rect">
+            <a:avLst/>
+          </a:prstGeom>
+          <a:noFill/>
+        </p:spPr>
+        <p:txBody>
+          <a:bodyPr wrap="square" rtlCol="0">
+            <a:spAutoFit/>
+          </a:bodyPr>
+          <a:lstStyle/>
+          <a:p>
+            <a:r>
+              <a:rPr lang="zh-CN" altLang="en-US" dirty="0"/>
+              <a:t>但是发现上下翻转后的顺天堂</a:t>
+            </a:r>
+            <a:r>
+              <a:rPr lang="en-US" altLang="zh-CN" dirty="0"/>
+              <a:t>data</a:t>
+            </a:r>
+            <a:r>
+              <a:rPr lang="zh-CN" altLang="en-US" dirty="0"/>
+              <a:t>和</a:t>
+            </a:r>
+            <a:r>
+              <a:rPr lang="en-US" altLang="zh-CN" dirty="0"/>
+              <a:t>brava</a:t>
+            </a:r>
+            <a:r>
+              <a:rPr lang="zh-CN" altLang="en-US" dirty="0"/>
+              <a:t>的</a:t>
+            </a:r>
+            <a:r>
+              <a:rPr lang="en-US" altLang="zh-CN" dirty="0"/>
+              <a:t>left</a:t>
+            </a:r>
+            <a:r>
+              <a:rPr lang="zh-CN" altLang="en-US" dirty="0"/>
+              <a:t>的空间方向大致相似（但是我拿到手的顺天堂的</a:t>
+            </a:r>
+            <a:r>
+              <a:rPr lang="en-US" altLang="zh-CN" dirty="0"/>
+              <a:t>data</a:t>
+            </a:r>
+            <a:r>
+              <a:rPr lang="zh-CN" altLang="en-US" dirty="0"/>
+              <a:t>已经是被处理过了，左右是同边的）</a:t>
+            </a:r>
+            <a:endParaRPr lang="en-US" altLang="zh-CN" dirty="0"/>
+          </a:p>
+          <a:p>
+            <a:endParaRPr lang="en-US" altLang="zh-CN" dirty="0"/>
+          </a:p>
+          <a:p>
+            <a:r>
+              <a:rPr lang="en-US" altLang="zh-CN" dirty="0" err="1"/>
+              <a:t>uezono_data_mirrored_updown</a:t>
+            </a:r>
+            <a:r>
+              <a:rPr lang="en-US" altLang="zh-CN" dirty="0"/>
+              <a:t> </a:t>
+            </a:r>
+            <a:r>
+              <a:rPr lang="zh-CN" altLang="en-US" dirty="0"/>
+              <a:t>是上下翻转后的</a:t>
+            </a:r>
+            <a:endParaRPr lang="en-US" altLang="zh-CN" dirty="0"/>
+          </a:p>
+          <a:p>
+            <a:r>
+              <a:rPr lang="en-US" altLang="zh-CN" dirty="0" err="1"/>
+              <a:t>uezono_data_mirrored</a:t>
+            </a:r>
+            <a:r>
+              <a:rPr lang="en-US" altLang="zh-CN" dirty="0"/>
+              <a:t> </a:t>
+            </a:r>
+            <a:r>
+              <a:rPr lang="zh-CN" altLang="en-US" dirty="0"/>
+              <a:t>是都弄完的 </a:t>
+            </a:r>
+            <a:r>
+              <a:rPr lang="en-US" altLang="zh-CN" dirty="0"/>
+              <a:t>brava</a:t>
+            </a:r>
+            <a:r>
+              <a:rPr lang="zh-CN" altLang="en-US" dirty="0"/>
+              <a:t>化后的</a:t>
+            </a:r>
+          </a:p>
+        </p:txBody>
+      </p:sp>
+      <p:sp>
+        <p:nvSpPr>
+          <p:cNvPr id="12" name="文本框 11">
+            <a:extLst>
+              <a:ext uri="{FF2B5EF4-FFF2-40B4-BE49-F238E27FC236}">
+                <a16:creationId xmlns:a16="http://schemas.microsoft.com/office/drawing/2014/main" id="{0C4F64F7-49F7-D9BC-5E3D-1CDEC4C84CAC}"/>
+              </a:ext>
+            </a:extLst>
+          </p:cNvPr>
+          <p:cNvSpPr txBox="1"/>
+          <p:nvPr/>
+        </p:nvSpPr>
+        <p:spPr>
+          <a:xfrm>
+            <a:off x="352435" y="1792025"/>
+            <a:ext cx="3051959" cy="369332"/>
+          </a:xfrm>
+          <a:prstGeom prst="rect">
+            <a:avLst/>
+          </a:prstGeom>
+          <a:noFill/>
+        </p:spPr>
+        <p:txBody>
+          <a:bodyPr wrap="square" rtlCol="0">
+            <a:spAutoFit/>
+          </a:bodyPr>
+          <a:lstStyle/>
+          <a:p>
+            <a:r>
+              <a:rPr lang="zh-CN" altLang="en-US" dirty="0"/>
+              <a:t>对顺天堂的人工智能截取了</a:t>
+            </a:r>
+          </a:p>
+        </p:txBody>
+      </p:sp>
+      <p:sp>
+        <p:nvSpPr>
+          <p:cNvPr id="8" name="文本框 7">
+            <a:extLst>
+              <a:ext uri="{FF2B5EF4-FFF2-40B4-BE49-F238E27FC236}">
+                <a16:creationId xmlns:a16="http://schemas.microsoft.com/office/drawing/2014/main" id="{661BBE29-0104-11CA-EC7D-B54BD114BC72}"/>
+              </a:ext>
+            </a:extLst>
+          </p:cNvPr>
+          <p:cNvSpPr txBox="1"/>
+          <p:nvPr/>
+        </p:nvSpPr>
+        <p:spPr>
+          <a:xfrm>
+            <a:off x="4052636" y="5922336"/>
+            <a:ext cx="7447547" cy="646331"/>
+          </a:xfrm>
+          <a:prstGeom prst="rect">
+            <a:avLst/>
+          </a:prstGeom>
+          <a:noFill/>
+        </p:spPr>
+        <p:txBody>
+          <a:bodyPr wrap="square" rtlCol="0">
+            <a:spAutoFit/>
+          </a:bodyPr>
+          <a:lstStyle/>
+          <a:p>
+            <a:r>
+              <a:rPr lang="zh-CN" altLang="en-US" dirty="0"/>
+              <a:t>顺天堂的</a:t>
+            </a:r>
+            <a:r>
+              <a:rPr lang="en-US" altLang="zh-CN" dirty="0"/>
+              <a:t>6</a:t>
+            </a:r>
+            <a:r>
+              <a:rPr lang="zh-CN" altLang="en-US" dirty="0"/>
+              <a:t>条曲线，和</a:t>
+            </a:r>
+            <a:r>
+              <a:rPr lang="en-US" altLang="zh-CN" dirty="0"/>
+              <a:t>brava</a:t>
+            </a:r>
+            <a:r>
+              <a:rPr lang="zh-CN" altLang="en-US" dirty="0"/>
+              <a:t> </a:t>
+            </a:r>
+            <a:r>
+              <a:rPr lang="en-US" altLang="zh-CN" dirty="0" err="1"/>
+              <a:t>frechet</a:t>
+            </a:r>
+            <a:r>
+              <a:rPr lang="en-US" altLang="zh-CN" dirty="0"/>
+              <a:t> </a:t>
+            </a:r>
+            <a:r>
+              <a:rPr lang="zh-CN" altLang="en-US" dirty="0"/>
+              <a:t>对齐后，</a:t>
+            </a:r>
+            <a:endParaRPr lang="en-US" altLang="zh-CN" dirty="0"/>
+          </a:p>
+          <a:p>
+            <a:r>
+              <a:rPr lang="zh-CN" altLang="en-US" dirty="0"/>
+              <a:t>第</a:t>
+            </a:r>
+            <a:r>
+              <a:rPr lang="en-US" altLang="zh-CN" dirty="0"/>
+              <a:t>4</a:t>
+            </a:r>
+            <a:r>
+              <a:rPr lang="zh-CN" altLang="en-US" dirty="0"/>
+              <a:t>条是上图左边突出来的那个，可能还是预处理问题？</a:t>
+            </a:r>
+          </a:p>
+        </p:txBody>
+      </p:sp>
+      <p:sp>
+        <p:nvSpPr>
+          <p:cNvPr id="9" name="文本框 8">
+            <a:extLst>
+              <a:ext uri="{FF2B5EF4-FFF2-40B4-BE49-F238E27FC236}">
+                <a16:creationId xmlns:a16="http://schemas.microsoft.com/office/drawing/2014/main" id="{C8E02741-6144-94D3-5B0A-34555C282E22}"/>
+              </a:ext>
+            </a:extLst>
+          </p:cNvPr>
+          <p:cNvSpPr txBox="1"/>
+          <p:nvPr/>
+        </p:nvSpPr>
+        <p:spPr>
+          <a:xfrm>
+            <a:off x="655183" y="5619973"/>
+            <a:ext cx="2084084" cy="923330"/>
+          </a:xfrm>
+          <a:prstGeom prst="rect">
+            <a:avLst/>
+          </a:prstGeom>
+          <a:noFill/>
+        </p:spPr>
+        <p:txBody>
+          <a:bodyPr wrap="square" rtlCol="0">
+            <a:spAutoFit/>
+          </a:bodyPr>
+          <a:lstStyle/>
+          <a:p>
+            <a:r>
+              <a:rPr lang="zh-CN" altLang="en-US" dirty="0"/>
+              <a:t>所以后面可以选顺天堂的（</a:t>
+            </a:r>
+            <a:r>
+              <a:rPr lang="en-US" altLang="zh-CN" dirty="0"/>
+              <a:t>0</a:t>
+            </a:r>
+            <a:r>
+              <a:rPr lang="zh-CN" altLang="en-US" dirty="0"/>
+              <a:t>，</a:t>
+            </a:r>
+            <a:r>
+              <a:rPr lang="en-US" altLang="zh-CN" dirty="0"/>
+              <a:t>1</a:t>
+            </a:r>
+            <a:r>
+              <a:rPr lang="zh-CN" altLang="en-US" dirty="0"/>
+              <a:t>，</a:t>
+            </a:r>
+            <a:r>
+              <a:rPr lang="en-US" altLang="zh-CN" dirty="0"/>
+              <a:t>2</a:t>
+            </a:r>
+            <a:r>
+              <a:rPr lang="zh-CN" altLang="en-US" dirty="0"/>
+              <a:t>，</a:t>
+            </a:r>
+            <a:r>
+              <a:rPr lang="en-US" altLang="zh-CN" dirty="0"/>
+              <a:t>3, 5</a:t>
+            </a:r>
+            <a:r>
+              <a:rPr lang="zh-CN" altLang="en-US" dirty="0"/>
+              <a:t>号）做实验</a:t>
+            </a:r>
+          </a:p>
+        </p:txBody>
+      </p:sp>
+      <p:pic>
+        <p:nvPicPr>
+          <p:cNvPr id="11" name="图片 10">
+            <a:extLst>
+              <a:ext uri="{FF2B5EF4-FFF2-40B4-BE49-F238E27FC236}">
+                <a16:creationId xmlns:a16="http://schemas.microsoft.com/office/drawing/2014/main" id="{EC7E9B00-0537-3B87-4333-778E0A57F368}"/>
+              </a:ext>
+            </a:extLst>
+          </p:cNvPr>
+          <p:cNvPicPr>
+            <a:picLocks noChangeAspect="1"/>
+          </p:cNvPicPr>
+          <p:nvPr/>
+        </p:nvPicPr>
+        <p:blipFill>
+          <a:blip r:embed="rId2"/>
+          <a:stretch>
+            <a:fillRect/>
+          </a:stretch>
+        </p:blipFill>
+        <p:spPr>
+          <a:xfrm>
+            <a:off x="6581273" y="2051680"/>
+            <a:ext cx="2390274" cy="3795667"/>
+          </a:xfrm>
+          <a:prstGeom prst="rect">
+            <a:avLst/>
+          </a:prstGeom>
+        </p:spPr>
+      </p:pic>
+    </p:spTree>
+    <p:extLst>
+      <p:ext uri="{BB962C8B-B14F-4D97-AF65-F5344CB8AC3E}">
+        <p14:creationId xmlns:p14="http://schemas.microsoft.com/office/powerpoint/2010/main" val="2481959331"/>
+      </p:ext>
+    </p:extLst>
+  </p:cSld>
+  <p:clrMapOvr>
+    <a:masterClrMapping/>
+  </p:clrMapOvr>
+</p:sld>
+</file>
+
+<file path=ppt/slides/slide16.xml><?xml version="1.0" encoding="utf-8"?>
+<p:sld xmlns:a="http://schemas.openxmlformats.org/drawingml/2006/main" xmlns:r="http://schemas.openxmlformats.org/officeDocument/2006/relationships" xmlns:p="http://schemas.openxmlformats.org/presentationml/2006/main">
+  <p:cSld>
+    <p:spTree>
+      <p:nvGrpSpPr>
+        <p:cNvPr id="1" name=""/>
+        <p:cNvGrpSpPr/>
+        <p:nvPr/>
+      </p:nvGrpSpPr>
+      <p:grpSpPr>
+        <a:xfrm>
+          <a:off x="0" y="0"/>
+          <a:ext cx="0" cy="0"/>
+          <a:chOff x="0" y="0"/>
+          <a:chExt cx="0" cy="0"/>
+        </a:xfrm>
+      </p:grpSpPr>
+      <p:pic>
+        <p:nvPicPr>
+          <p:cNvPr id="4" name="图片 3">
+            <a:extLst>
+              <a:ext uri="{FF2B5EF4-FFF2-40B4-BE49-F238E27FC236}">
+                <a16:creationId xmlns:a16="http://schemas.microsoft.com/office/drawing/2014/main" id="{FD1E5417-8DB0-4B5A-017D-651837B645FE}"/>
+              </a:ext>
+            </a:extLst>
+          </p:cNvPr>
+          <p:cNvPicPr>
+            <a:picLocks noChangeAspect="1"/>
+          </p:cNvPicPr>
+          <p:nvPr/>
+        </p:nvPicPr>
+        <p:blipFill>
+          <a:blip r:embed="rId2"/>
+          <a:stretch>
+            <a:fillRect/>
+          </a:stretch>
+        </p:blipFill>
+        <p:spPr>
+          <a:xfrm>
+            <a:off x="115721" y="684029"/>
+            <a:ext cx="3831510" cy="4766276"/>
+          </a:xfrm>
+          <a:prstGeom prst="rect">
+            <a:avLst/>
+          </a:prstGeom>
+        </p:spPr>
+      </p:pic>
+      <p:sp>
+        <p:nvSpPr>
+          <p:cNvPr id="5" name="文本框 4">
+            <a:extLst>
+              <a:ext uri="{FF2B5EF4-FFF2-40B4-BE49-F238E27FC236}">
+                <a16:creationId xmlns:a16="http://schemas.microsoft.com/office/drawing/2014/main" id="{2B462B32-8D05-8657-3742-9E8C55EBD7F1}"/>
+              </a:ext>
+            </a:extLst>
+          </p:cNvPr>
+          <p:cNvSpPr txBox="1"/>
+          <p:nvPr/>
+        </p:nvSpPr>
+        <p:spPr>
+          <a:xfrm>
+            <a:off x="4070594" y="176197"/>
+            <a:ext cx="6816436" cy="646331"/>
+          </a:xfrm>
+          <a:prstGeom prst="rect">
+            <a:avLst/>
+          </a:prstGeom>
+          <a:noFill/>
+        </p:spPr>
+        <p:txBody>
+          <a:bodyPr wrap="square" rtlCol="0">
+            <a:spAutoFit/>
+          </a:bodyPr>
+          <a:lstStyle/>
+          <a:p>
+            <a:r>
+              <a:rPr lang="en-US" altLang="zh-CN" dirty="0" err="1"/>
+              <a:t>curve_bs</a:t>
+            </a:r>
+            <a:r>
+              <a:rPr lang="zh-CN" altLang="en-US" dirty="0"/>
+              <a:t>：</a:t>
+            </a:r>
+            <a:r>
+              <a:rPr lang="en-US" altLang="zh-CN" dirty="0" err="1"/>
+              <a:t>geomstats_aligned_to_first</a:t>
+            </a:r>
+            <a:endParaRPr lang="en-US" altLang="zh-CN" dirty="0"/>
+          </a:p>
+          <a:p>
+            <a:r>
+              <a:rPr lang="en-US" altLang="zh-CN" dirty="0" err="1"/>
+              <a:t>curve_cs</a:t>
+            </a:r>
+            <a:r>
+              <a:rPr lang="zh-CN" altLang="en-US" dirty="0"/>
+              <a:t>：</a:t>
+            </a:r>
+            <a:r>
+              <a:rPr lang="en-US" altLang="zh-CN" dirty="0" err="1"/>
+              <a:t>geomstats_aligned_to_frechet.npy</a:t>
+            </a:r>
+            <a:endParaRPr lang="zh-CN" altLang="en-US" dirty="0"/>
+          </a:p>
+        </p:txBody>
+      </p:sp>
+      <p:sp>
+        <p:nvSpPr>
+          <p:cNvPr id="6" name="文本框 5">
+            <a:extLst>
+              <a:ext uri="{FF2B5EF4-FFF2-40B4-BE49-F238E27FC236}">
+                <a16:creationId xmlns:a16="http://schemas.microsoft.com/office/drawing/2014/main" id="{60260161-86EB-2722-ECB0-8E0892D48913}"/>
+              </a:ext>
+            </a:extLst>
+          </p:cNvPr>
+          <p:cNvSpPr txBox="1"/>
+          <p:nvPr/>
+        </p:nvSpPr>
+        <p:spPr>
+          <a:xfrm>
+            <a:off x="4070594" y="1105091"/>
+            <a:ext cx="8348353" cy="2031325"/>
+          </a:xfrm>
+          <a:prstGeom prst="rect">
+            <a:avLst/>
+          </a:prstGeom>
+          <a:noFill/>
+        </p:spPr>
+        <p:txBody>
+          <a:bodyPr wrap="square" rtlCol="0">
+            <a:spAutoFit/>
+          </a:bodyPr>
+          <a:lstStyle/>
+          <a:p>
+            <a:r>
+              <a:rPr lang="zh-CN" altLang="en-US" dirty="0"/>
+              <a:t>被选中的曲线：</a:t>
+            </a:r>
+            <a:endParaRPr lang="en-US" altLang="zh-CN" dirty="0"/>
+          </a:p>
+          <a:p>
+            <a:r>
+              <a:rPr lang="en-US" altLang="zh-CN" dirty="0" err="1"/>
+              <a:t>Aneurisk</a:t>
+            </a:r>
+            <a:r>
+              <a:rPr lang="zh-CN" altLang="en-US" dirty="0"/>
+              <a:t>：</a:t>
+            </a:r>
+            <a:endParaRPr lang="en-US" altLang="zh-CN" dirty="0"/>
+          </a:p>
+          <a:p>
+            <a:r>
+              <a:rPr lang="en-US" altLang="zh-CN" dirty="0" err="1"/>
+              <a:t>aneurisk_cut_aligened_to_frechet</a:t>
+            </a:r>
+            <a:r>
+              <a:rPr lang="en-US" altLang="zh-CN" dirty="0"/>
+              <a:t>\curve_10.vtk </a:t>
+            </a:r>
+            <a:r>
+              <a:rPr lang="zh-CN" altLang="en-US" dirty="0"/>
+              <a:t>（</a:t>
+            </a:r>
+            <a:r>
+              <a:rPr lang="en-US" altLang="zh-CN" dirty="0"/>
+              <a:t>proximal </a:t>
+            </a:r>
+            <a:r>
+              <a:rPr lang="zh-CN" altLang="en-US" dirty="0"/>
+              <a:t>比</a:t>
+            </a:r>
+            <a:r>
+              <a:rPr lang="en-US" altLang="zh-CN" dirty="0"/>
+              <a:t>brava</a:t>
+            </a:r>
+            <a:r>
+              <a:rPr lang="zh-CN" altLang="en-US" dirty="0"/>
+              <a:t>长一截）</a:t>
+            </a:r>
+            <a:endParaRPr lang="en-US" altLang="zh-CN" dirty="0"/>
+          </a:p>
+          <a:p>
+            <a:r>
+              <a:rPr lang="en-US" altLang="zh-CN" dirty="0" err="1"/>
+              <a:t>aneurisk_cut_aligened_to_frechet</a:t>
+            </a:r>
+            <a:r>
+              <a:rPr lang="en-US" altLang="zh-CN" dirty="0"/>
+              <a:t>\curve_36.vtk</a:t>
+            </a:r>
+            <a:r>
+              <a:rPr lang="zh-CN" altLang="en-US" dirty="0"/>
+              <a:t>（</a:t>
+            </a:r>
+            <a:r>
+              <a:rPr lang="en-US" altLang="zh-CN" dirty="0"/>
+              <a:t>proximal </a:t>
+            </a:r>
+            <a:r>
+              <a:rPr lang="zh-CN" altLang="en-US" dirty="0"/>
+              <a:t>比</a:t>
+            </a:r>
+            <a:r>
+              <a:rPr lang="en-US" altLang="zh-CN" dirty="0"/>
+              <a:t>brava</a:t>
+            </a:r>
+            <a:r>
+              <a:rPr lang="zh-CN" altLang="en-US" dirty="0"/>
+              <a:t>稍微短一截）</a:t>
+            </a:r>
+            <a:endParaRPr lang="en-US" altLang="zh-CN" dirty="0"/>
+          </a:p>
+          <a:p>
+            <a:endParaRPr lang="en-US" altLang="zh-CN" dirty="0"/>
+          </a:p>
+          <a:p>
+            <a:r>
+              <a:rPr lang="zh-CN" altLang="en-US" dirty="0"/>
+              <a:t>顺天堂：</a:t>
+            </a:r>
+            <a:endParaRPr lang="en-US" altLang="zh-CN" dirty="0"/>
+          </a:p>
+          <a:p>
+            <a:r>
+              <a:rPr lang="zh-CN" altLang="en-US" dirty="0"/>
+              <a:t>人工智能处理后的</a:t>
+            </a:r>
+            <a:r>
+              <a:rPr lang="en-US" altLang="zh-CN" dirty="0"/>
+              <a:t>data</a:t>
+            </a:r>
+          </a:p>
+        </p:txBody>
+      </p:sp>
+      <p:pic>
+        <p:nvPicPr>
+          <p:cNvPr id="9" name="图片 8">
+            <a:extLst>
+              <a:ext uri="{FF2B5EF4-FFF2-40B4-BE49-F238E27FC236}">
+                <a16:creationId xmlns:a16="http://schemas.microsoft.com/office/drawing/2014/main" id="{43E5AF3F-DF2E-6314-32FA-BB6F012A0E78}"/>
+              </a:ext>
+            </a:extLst>
+          </p:cNvPr>
+          <p:cNvPicPr>
+            <a:picLocks noChangeAspect="1"/>
+          </p:cNvPicPr>
+          <p:nvPr/>
+        </p:nvPicPr>
+        <p:blipFill>
+          <a:blip r:embed="rId3"/>
+          <a:stretch>
+            <a:fillRect/>
+          </a:stretch>
+        </p:blipFill>
+        <p:spPr>
+          <a:xfrm>
+            <a:off x="4070594" y="3251534"/>
+            <a:ext cx="5486400" cy="2857500"/>
+          </a:xfrm>
+          <a:prstGeom prst="rect">
+            <a:avLst/>
+          </a:prstGeom>
+        </p:spPr>
+      </p:pic>
+    </p:spTree>
+    <p:extLst>
+      <p:ext uri="{BB962C8B-B14F-4D97-AF65-F5344CB8AC3E}">
+        <p14:creationId xmlns:p14="http://schemas.microsoft.com/office/powerpoint/2010/main" val="2509064182"/>
+      </p:ext>
+    </p:extLst>
+  </p:cSld>
+  <p:clrMapOvr>
+    <a:masterClrMapping/>
+  </p:clrMapOvr>
+</p:sld>
+</file>
+
+<file path=ppt/slides/slide17.xml><?xml version="1.0" encoding="utf-8"?>
+<p:sld xmlns:a="http://schemas.openxmlformats.org/drawingml/2006/main" xmlns:r="http://schemas.openxmlformats.org/officeDocument/2006/relationships" xmlns:p="http://schemas.openxmlformats.org/presentationml/2006/main">
+  <p:cSld>
+    <p:spTree>
+      <p:nvGrpSpPr>
+        <p:cNvPr id="1" name=""/>
+        <p:cNvGrpSpPr/>
+        <p:nvPr/>
+      </p:nvGrpSpPr>
+      <p:grpSpPr>
+        <a:xfrm>
+          <a:off x="0" y="0"/>
+          <a:ext cx="0" cy="0"/>
+          <a:chOff x="0" y="0"/>
+          <a:chExt cx="0" cy="0"/>
+        </a:xfrm>
+      </p:grpSpPr>
+      <p:sp>
+        <p:nvSpPr>
+          <p:cNvPr id="3" name="文本框 2">
+            <a:extLst>
+              <a:ext uri="{FF2B5EF4-FFF2-40B4-BE49-F238E27FC236}">
+                <a16:creationId xmlns:a16="http://schemas.microsoft.com/office/drawing/2014/main" id="{CF73CCCF-4CFC-C9CF-8CC8-3C69A4D90F66}"/>
+              </a:ext>
+            </a:extLst>
+          </p:cNvPr>
+          <p:cNvSpPr txBox="1"/>
+          <p:nvPr/>
+        </p:nvSpPr>
+        <p:spPr>
+          <a:xfrm>
+            <a:off x="148302" y="94437"/>
+            <a:ext cx="4447762" cy="923330"/>
+          </a:xfrm>
+          <a:prstGeom prst="rect">
+            <a:avLst/>
+          </a:prstGeom>
+          <a:noFill/>
+        </p:spPr>
+        <p:txBody>
+          <a:bodyPr wrap="square" rtlCol="0">
+            <a:spAutoFit/>
+          </a:bodyPr>
+          <a:lstStyle/>
+          <a:p>
+            <a:r>
+              <a:rPr lang="zh-CN" altLang="en-US" dirty="0"/>
+              <a:t>顺天堂：</a:t>
+            </a:r>
+            <a:endParaRPr lang="en-US" altLang="zh-CN" dirty="0"/>
+          </a:p>
+          <a:p>
+            <a:r>
+              <a:rPr lang="zh-CN" altLang="en-US" dirty="0"/>
+              <a:t>人工智能处理后的</a:t>
+            </a:r>
+            <a:r>
+              <a:rPr lang="en-US" altLang="zh-CN" dirty="0"/>
+              <a:t>data</a:t>
+            </a:r>
+          </a:p>
+          <a:p>
+            <a:endParaRPr lang="zh-CN" altLang="en-US" dirty="0"/>
+          </a:p>
+        </p:txBody>
+      </p:sp>
+      <p:pic>
+        <p:nvPicPr>
+          <p:cNvPr id="6" name="图片 5">
+            <a:extLst>
+              <a:ext uri="{FF2B5EF4-FFF2-40B4-BE49-F238E27FC236}">
+                <a16:creationId xmlns:a16="http://schemas.microsoft.com/office/drawing/2014/main" id="{65BF9262-E42E-4078-C531-A220F11192A9}"/>
+              </a:ext>
+            </a:extLst>
+          </p:cNvPr>
+          <p:cNvPicPr>
+            <a:picLocks noChangeAspect="1"/>
+          </p:cNvPicPr>
+          <p:nvPr/>
+        </p:nvPicPr>
+        <p:blipFill>
+          <a:blip r:embed="rId2"/>
+          <a:stretch>
+            <a:fillRect/>
+          </a:stretch>
+        </p:blipFill>
+        <p:spPr>
+          <a:xfrm>
+            <a:off x="148299" y="853740"/>
+            <a:ext cx="3984147" cy="2972301"/>
+          </a:xfrm>
+          <a:prstGeom prst="rect">
+            <a:avLst/>
+          </a:prstGeom>
+        </p:spPr>
+      </p:pic>
+      <p:sp>
+        <p:nvSpPr>
+          <p:cNvPr id="7" name="文本框 6">
+            <a:extLst>
+              <a:ext uri="{FF2B5EF4-FFF2-40B4-BE49-F238E27FC236}">
+                <a16:creationId xmlns:a16="http://schemas.microsoft.com/office/drawing/2014/main" id="{1B882118-ABA4-66DC-52E5-03CDD92063E7}"/>
+              </a:ext>
+            </a:extLst>
+          </p:cNvPr>
+          <p:cNvSpPr txBox="1"/>
+          <p:nvPr/>
+        </p:nvSpPr>
+        <p:spPr>
+          <a:xfrm>
+            <a:off x="733839" y="3817113"/>
+            <a:ext cx="2249993" cy="369332"/>
+          </a:xfrm>
+          <a:prstGeom prst="rect">
+            <a:avLst/>
+          </a:prstGeom>
+          <a:noFill/>
+        </p:spPr>
+        <p:txBody>
+          <a:bodyPr wrap="square" rtlCol="0">
+            <a:spAutoFit/>
+          </a:bodyPr>
+          <a:lstStyle/>
+          <a:p>
+            <a:r>
+              <a:rPr lang="zh-CN" altLang="en-US" dirty="0"/>
+              <a:t>没处理的</a:t>
+            </a:r>
+            <a:r>
+              <a:rPr lang="en-US" altLang="zh-CN" dirty="0"/>
+              <a:t>curvature</a:t>
+            </a:r>
+            <a:endParaRPr lang="zh-CN" altLang="en-US" dirty="0"/>
+          </a:p>
+        </p:txBody>
+      </p:sp>
+    </p:spTree>
+    <p:extLst>
+      <p:ext uri="{BB962C8B-B14F-4D97-AF65-F5344CB8AC3E}">
+        <p14:creationId xmlns:p14="http://schemas.microsoft.com/office/powerpoint/2010/main" val="1823589389"/>
+      </p:ext>
+    </p:extLst>
+  </p:cSld>
+  <p:clrMapOvr>
+    <a:masterClrMapping/>
+  </p:clrMapOvr>
+</p:sld>
+</file>
+
+<file path=ppt/slides/slide18.xml><?xml version="1.0" encoding="utf-8"?>
+<p:sld xmlns:a="http://schemas.openxmlformats.org/drawingml/2006/main" xmlns:r="http://schemas.openxmlformats.org/officeDocument/2006/relationships" xmlns:p="http://schemas.openxmlformats.org/presentationml/2006/main">
+  <p:cSld>
+    <p:spTree>
+      <p:nvGrpSpPr>
+        <p:cNvPr id="1" name=""/>
+        <p:cNvGrpSpPr/>
+        <p:nvPr/>
+      </p:nvGrpSpPr>
+      <p:grpSpPr>
+        <a:xfrm>
+          <a:off x="0" y="0"/>
+          <a:ext cx="0" cy="0"/>
+          <a:chOff x="0" y="0"/>
+          <a:chExt cx="0" cy="0"/>
+        </a:xfrm>
+      </p:grpSpPr>
+    </p:spTree>
+    <p:extLst>
+      <p:ext uri="{BB962C8B-B14F-4D97-AF65-F5344CB8AC3E}">
+        <p14:creationId xmlns:p14="http://schemas.microsoft.com/office/powerpoint/2010/main" val="2591178816"/>
+      </p:ext>
+    </p:extLst>
+  </p:cSld>
+  <p:clrMapOvr>
+    <a:masterClrMapping/>
+  </p:clrMapOvr>
+</p:sld>
+</file>
+
 <file path=ppt/slides/slide2.xml><?xml version="1.0" encoding="utf-8"?>
 <p:sld xmlns:a="http://schemas.openxmlformats.org/drawingml/2006/main" xmlns:r="http://schemas.openxmlformats.org/officeDocument/2006/relationships" xmlns:p="http://schemas.openxmlformats.org/presentationml/2006/main">
   <p:cSld>
